--- a/lectures/10_state_space_models/10_state_space_models.pptx
+++ b/lectures/10_state_space_models/10_state_space_models.pptx
@@ -136,7 +136,7 @@
 <file path=ppt/revisionInfo.xml><?xml version="1.0" encoding="utf-8"?>
 <p1510:revInfo xmlns:a="http://schemas.openxmlformats.org/drawingml/2006/main" xmlns:r="http://schemas.openxmlformats.org/officeDocument/2006/relationships" xmlns:p1510="http://schemas.microsoft.com/office/powerpoint/2015/10/main">
   <p1510:revLst>
-    <p1510:client id="{76DE24CF-26F1-33C5-EA49-591A11AFCFE6}" v="17" dt="2025-05-18T11:53:31.373"/>
+    <p1510:client id="{DA84F31A-8538-F02E-8938-77901D2ABDFC}" v="15" dt="2025-05-23T15:48:51.538"/>
   </p1510:revLst>
 </p1510:revInfo>
 </file>
@@ -28519,7 +28519,7 @@
               <a:buChar char="•"/>
             </a:pPr>
             <a:r>
-              <a:rPr lang="en-US" sz="2000" spc="-1">
+              <a:rPr lang="en-US" sz="2000" spc="-1" dirty="0">
                 <a:solidFill>
                   <a:srgbClr val="003056"/>
                 </a:solidFill>
@@ -28531,7 +28531,7 @@
               <a:t>Efficiently Modeling Long Sequences with Structured State Spaces</a:t>
             </a:r>
             <a:r>
-              <a:rPr lang="en-US" sz="2000" spc="-1">
+              <a:rPr lang="en-US" sz="2000" spc="-1" dirty="0">
                 <a:solidFill>
                   <a:srgbClr val="003056"/>
                 </a:solidFill>
@@ -28541,7 +28541,7 @@
               </a:rPr>
               <a:t> by Gu et al, 2022</a:t>
             </a:r>
-            <a:endParaRPr lang="en-US" sz="2000" spc="-1">
+            <a:endParaRPr lang="en-US" sz="2000" spc="-1" dirty="0">
               <a:solidFill>
                 <a:srgbClr val="003056"/>
               </a:solidFill>
@@ -28564,7 +28564,7 @@
               <a:buChar char="•"/>
             </a:pPr>
             <a:r>
-              <a:rPr lang="en-US" sz="2000" spc="-1">
+              <a:rPr lang="en-US" sz="2000" spc="-1" dirty="0">
                 <a:solidFill>
                   <a:srgbClr val="003056"/>
                 </a:solidFill>
@@ -28575,7 +28575,7 @@
               <a:t>The Annotated S4</a:t>
             </a:r>
             <a:r>
-              <a:rPr lang="en-US" sz="2000" spc="-1">
+              <a:rPr lang="en-US" sz="2000" spc="-1" dirty="0">
                 <a:solidFill>
                   <a:srgbClr val="003056"/>
                 </a:solidFill>
@@ -28585,7 +28585,7 @@
               <a:t> by Sasha Rush and Sidd </a:t>
             </a:r>
             <a:r>
-              <a:rPr lang="en-US" sz="2000" spc="-1" err="1">
+              <a:rPr lang="en-US" sz="2000" spc="-1" dirty="0" err="1">
                 <a:solidFill>
                   <a:srgbClr val="003056"/>
                 </a:solidFill>
@@ -28594,7 +28594,7 @@
               </a:rPr>
               <a:t>Karamcheti</a:t>
             </a:r>
-            <a:endParaRPr lang="en-US" sz="2000" spc="-1">
+            <a:endParaRPr lang="en-US" sz="2000" spc="-1" dirty="0">
               <a:solidFill>
                 <a:srgbClr val="003056"/>
               </a:solidFill>
@@ -28617,7 +28617,7 @@
               <a:buChar char="•"/>
             </a:pPr>
             <a:r>
-              <a:rPr lang="en-US" sz="2000" spc="-1">
+              <a:rPr lang="en-US" sz="2000" spc="-1" dirty="0">
                 <a:solidFill>
                   <a:srgbClr val="003056"/>
                 </a:solidFill>
@@ -28628,7 +28628,7 @@
               <a:t>Resurrecting Recurrent Neural Networks for Long Sequences</a:t>
             </a:r>
             <a:r>
-              <a:rPr lang="en-US" sz="2000" spc="-1">
+              <a:rPr lang="en-US" sz="2000" spc="-1" dirty="0">
                 <a:solidFill>
                   <a:srgbClr val="003056"/>
                 </a:solidFill>
@@ -28653,7 +28653,7 @@
               <a:buChar char="•"/>
             </a:pPr>
             <a:r>
-              <a:rPr lang="en-US" sz="2000" spc="-1">
+              <a:rPr lang="en-US" sz="2000" spc="-1" dirty="0">
                 <a:solidFill>
                   <a:srgbClr val="003056"/>
                 </a:solidFill>
@@ -28664,7 +28664,7 @@
               <a:t>Mamba: Linear-Time Sequence Modeling with Selective State Spaces</a:t>
             </a:r>
             <a:r>
-              <a:rPr lang="en-US" sz="2000" spc="-1">
+              <a:rPr lang="en-US" sz="2000" spc="-1" dirty="0">
                 <a:solidFill>
                   <a:srgbClr val="003056"/>
                 </a:solidFill>
@@ -28686,7 +28686,7 @@
               <a:buChar char="•"/>
             </a:pPr>
             <a:r>
-              <a:rPr lang="en-US" sz="2000" spc="-1">
+              <a:rPr lang="en-US" sz="2000" spc="-1" dirty="0">
                 <a:solidFill>
                   <a:srgbClr val="003056"/>
                 </a:solidFill>
@@ -28697,7 +28697,7 @@
               <a:t>Mamba Explained</a:t>
             </a:r>
             <a:r>
-              <a:rPr lang="en-US" sz="2000" spc="-1">
+              <a:rPr lang="en-US" sz="2000" spc="-1" dirty="0">
                 <a:solidFill>
                   <a:srgbClr val="003056"/>
                 </a:solidFill>
@@ -28707,7 +28707,7 @@
               <a:t> by Kola </a:t>
             </a:r>
             <a:r>
-              <a:rPr lang="en-US" sz="2000" spc="-1" err="1">
+              <a:rPr lang="en-US" sz="2000" spc="-1" dirty="0" err="1">
                 <a:solidFill>
                   <a:srgbClr val="003056"/>
                 </a:solidFill>
@@ -28716,7 +28716,7 @@
               </a:rPr>
               <a:t>Ayonrinde</a:t>
             </a:r>
-            <a:endParaRPr lang="en-US" err="1">
+            <a:endParaRPr lang="en-US" dirty="0" err="1">
               <a:latin typeface="Calibri"/>
             </a:endParaRPr>
           </a:p>
@@ -28735,7 +28735,7 @@
               <a:buChar char="•"/>
             </a:pPr>
             <a:r>
-              <a:rPr lang="en-US" sz="2000" spc="-1">
+              <a:rPr lang="en-US" sz="2000" spc="-1" dirty="0">
                 <a:solidFill>
                   <a:srgbClr val="003056"/>
                 </a:solidFill>
@@ -28746,7 +28746,7 @@
               <a:t>Mamba from Scratch</a:t>
             </a:r>
             <a:r>
-              <a:rPr lang="en-US" sz="2000" spc="-1">
+              <a:rPr lang="en-US" sz="2000" spc="-1" dirty="0">
                 <a:solidFill>
                   <a:srgbClr val="003056"/>
                 </a:solidFill>
@@ -28771,7 +28771,7 @@
               <a:buChar char="•"/>
             </a:pPr>
             <a:r>
-              <a:rPr lang="en-US" sz="2000" spc="-1">
+              <a:rPr lang="en-US" sz="2000" spc="-1" dirty="0">
                 <a:solidFill>
                   <a:srgbClr val="003056"/>
                 </a:solidFill>
@@ -28780,6 +28780,92 @@
               </a:rPr>
               <a:t>References linked in corresponding slides</a:t>
             </a:r>
+          </a:p>
+          <a:p>
+            <a:pPr marL="285750" indent="-285750">
+              <a:lnSpc>
+                <a:spcPct val="100000"/>
+              </a:lnSpc>
+              <a:spcBef>
+                <a:spcPts val="400"/>
+              </a:spcBef>
+              <a:buClr>
+                <a:srgbClr val="003056"/>
+              </a:buClr>
+              <a:buFont typeface="Arial"/>
+              <a:buChar char="•"/>
+            </a:pPr>
+            <a:endParaRPr lang="en-US" sz="2400" spc="-1" dirty="0">
+              <a:solidFill>
+                <a:srgbClr val="003056"/>
+              </a:solidFill>
+              <a:latin typeface="Calibri"/>
+              <a:cs typeface="Arial"/>
+            </a:endParaRPr>
+          </a:p>
+          <a:p>
+            <a:pPr marL="0" indent="0">
+              <a:lnSpc>
+                <a:spcPct val="100000"/>
+              </a:lnSpc>
+              <a:spcBef>
+                <a:spcPts val="400"/>
+              </a:spcBef>
+              <a:buClr>
+                <a:srgbClr val="003056"/>
+              </a:buClr>
+              <a:buNone/>
+            </a:pPr>
+            <a:r>
+              <a:rPr lang="en-US" sz="2400" spc="-1" dirty="0">
+                <a:solidFill>
+                  <a:srgbClr val="003056"/>
+                </a:solidFill>
+                <a:latin typeface="Calibri"/>
+                <a:cs typeface="Arial"/>
+              </a:rPr>
+              <a:t>                                     </a:t>
+            </a:r>
+            <a:r>
+              <a:rPr lang="en-GB" sz="2000" spc="-1" dirty="0">
+                <a:solidFill>
+                  <a:srgbClr val="003056"/>
+                </a:solidFill>
+                <a:latin typeface="Calibri"/>
+                <a:ea typeface="Calibri"/>
+                <a:cs typeface="Calibri"/>
+              </a:rPr>
+              <a:t>© University of Mannheim</a:t>
+            </a:r>
+            <a:endParaRPr lang="en-US" sz="2400" spc="-1" dirty="0">
+              <a:solidFill>
+                <a:srgbClr val="003056"/>
+              </a:solidFill>
+              <a:latin typeface="Calibri"/>
+              <a:cs typeface="Arial"/>
+            </a:endParaRPr>
+          </a:p>
+          <a:p>
+            <a:pPr marL="742950" lvl="1" indent="-285750">
+              <a:lnSpc>
+                <a:spcPct val="100000"/>
+              </a:lnSpc>
+              <a:spcBef>
+                <a:spcPts val="400"/>
+              </a:spcBef>
+              <a:buClr>
+                <a:srgbClr val="003056"/>
+              </a:buClr>
+              <a:buFont typeface="Arial"/>
+              <a:buChar char="•"/>
+            </a:pPr>
+            <a:endParaRPr lang="en-US" sz="2000" spc="-1" dirty="0">
+              <a:solidFill>
+                <a:srgbClr val="003056"/>
+              </a:solidFill>
+              <a:latin typeface="Calibri"/>
+              <a:cs typeface="Arial"/>
+            </a:endParaRPr>
           </a:p>
         </p:txBody>
       </p:sp>
@@ -28833,6 +28919,36 @@
           </a:p>
         </p:txBody>
       </p:sp>
+      <p:pic>
+        <p:nvPicPr>
+          <p:cNvPr id="3" name="Picture 2" descr="A logo for a university&#10;&#10;AI-generated content may be incorrect.">
+            <a:extLst>
+              <a:ext uri="{FF2B5EF4-FFF2-40B4-BE49-F238E27FC236}">
+                <a16:creationId xmlns:a16="http://schemas.microsoft.com/office/drawing/2014/main" id="{840D91AA-DD17-239B-2C4E-D9F3ACBB1B4C}"/>
+              </a:ext>
+            </a:extLst>
+          </p:cNvPr>
+          <p:cNvPicPr>
+            <a:picLocks noChangeAspect="1"/>
+          </p:cNvPicPr>
+          <p:nvPr/>
+        </p:nvPicPr>
+        <p:blipFill>
+          <a:blip r:embed="rId8"/>
+          <a:stretch>
+            <a:fillRect/>
+          </a:stretch>
+        </p:blipFill>
+        <p:spPr>
+          <a:xfrm>
+            <a:off x="1134596" y="4688822"/>
+            <a:ext cx="2000250" cy="942975"/>
+          </a:xfrm>
+          <a:prstGeom prst="rect">
+            <a:avLst/>
+          </a:prstGeom>
+        </p:spPr>
+      </p:pic>
     </p:spTree>
   </p:cSld>
   <p:clrMapOvr>
@@ -29151,6 +29267,49 @@
                                           <p:spTgt spid="137">
                                             <p:txEl>
                                               <p:pRg st="6" end="6"/>
+                                            </p:txEl>
+                                          </p:spTgt>
+                                        </p:tgtEl>
+                                      </p:cBhvr>
+                                    </p:animEffect>
+                                  </p:childTnLst>
+                                </p:cTn>
+                              </p:par>
+                              <p:par>
+                                <p:cTn id="26" presetID="22" presetClass="entr" presetSubtype="4" fill="hold" nodeType="withEffect">
+                                  <p:stCondLst>
+                                    <p:cond delay="0"/>
+                                  </p:stCondLst>
+                                  <p:childTnLst>
+                                    <p:set>
+                                      <p:cBhvr>
+                                        <p:cTn id="27" dur="1" fill="hold">
+                                          <p:stCondLst>
+                                            <p:cond delay="0"/>
+                                          </p:stCondLst>
+                                        </p:cTn>
+                                        <p:tgtEl>
+                                          <p:spTgt spid="137">
+                                            <p:txEl>
+                                              <p:pRg st="8" end="8"/>
+                                            </p:txEl>
+                                          </p:spTgt>
+                                        </p:tgtEl>
+                                        <p:attrNameLst>
+                                          <p:attrName>style.visibility</p:attrName>
+                                        </p:attrNameLst>
+                                      </p:cBhvr>
+                                      <p:to>
+                                        <p:strVal val="visible"/>
+                                      </p:to>
+                                    </p:set>
+                                    <p:animEffect transition="in" filter="wipe(down)">
+                                      <p:cBhvr additive="repl">
+                                        <p:cTn id="28" dur="500"/>
+                                        <p:tgtEl>
+                                          <p:spTgt spid="137">
+                                            <p:txEl>
+                                              <p:pRg st="8" end="8"/>
                                             </p:txEl>
                                           </p:spTgt>
                                         </p:tgtEl>
